--- a/06_납품현황/2018/04_천안순천향대학병원/02_SerialNumber/천안 순천향대학병원.pptx
+++ b/06_납품현황/2018/04_천안순천향대학병원/02_SerialNumber/천안 순천향대학병원.pptx
@@ -12,6 +12,7 @@
     <p:sldId id="260" r:id="rId6"/>
     <p:sldId id="261" r:id="rId7"/>
     <p:sldId id="262" r:id="rId8"/>
+    <p:sldId id="263" r:id="rId9"/>
   </p:sldIdLst>
   <p:sldSz cx="12192000" cy="6858000"/>
   <p:notesSz cx="6858000" cy="9144000"/>
@@ -110,6 +111,11 @@
       </a:defRPr>
     </a:lvl9pPr>
   </p:defaultTextStyle>
+  <p:extLst>
+    <p:ext uri="{EFAFB233-063F-42B5-8137-9DF3F51BA10A}">
+      <p15:sldGuideLst xmlns:p15="http://schemas.microsoft.com/office/powerpoint/2012/main"/>
+    </p:ext>
+  </p:extLst>
 </p:presentation>
 </file>
 
@@ -244,7 +250,7 @@
           <a:p>
             <a:fld id="{730F1F7C-C792-497C-9271-A492300BDB4B}" type="datetimeFigureOut">
               <a:rPr lang="ko-KR" altLang="en-US" smtClean="0"/>
-              <a:t>2018-04-06</a:t>
+              <a:t>2018-04-10</a:t>
             </a:fld>
             <a:endParaRPr lang="ko-KR" altLang="en-US"/>
           </a:p>
@@ -414,7 +420,7 @@
           <a:p>
             <a:fld id="{730F1F7C-C792-497C-9271-A492300BDB4B}" type="datetimeFigureOut">
               <a:rPr lang="ko-KR" altLang="en-US" smtClean="0"/>
-              <a:t>2018-04-06</a:t>
+              <a:t>2018-04-10</a:t>
             </a:fld>
             <a:endParaRPr lang="ko-KR" altLang="en-US"/>
           </a:p>
@@ -594,7 +600,7 @@
           <a:p>
             <a:fld id="{730F1F7C-C792-497C-9271-A492300BDB4B}" type="datetimeFigureOut">
               <a:rPr lang="ko-KR" altLang="en-US" smtClean="0"/>
-              <a:t>2018-04-06</a:t>
+              <a:t>2018-04-10</a:t>
             </a:fld>
             <a:endParaRPr lang="ko-KR" altLang="en-US"/>
           </a:p>
@@ -764,7 +770,7 @@
           <a:p>
             <a:fld id="{730F1F7C-C792-497C-9271-A492300BDB4B}" type="datetimeFigureOut">
               <a:rPr lang="ko-KR" altLang="en-US" smtClean="0"/>
-              <a:t>2018-04-06</a:t>
+              <a:t>2018-04-10</a:t>
             </a:fld>
             <a:endParaRPr lang="ko-KR" altLang="en-US"/>
           </a:p>
@@ -1010,7 +1016,7 @@
           <a:p>
             <a:fld id="{730F1F7C-C792-497C-9271-A492300BDB4B}" type="datetimeFigureOut">
               <a:rPr lang="ko-KR" altLang="en-US" smtClean="0"/>
-              <a:t>2018-04-06</a:t>
+              <a:t>2018-04-10</a:t>
             </a:fld>
             <a:endParaRPr lang="ko-KR" altLang="en-US"/>
           </a:p>
@@ -1242,7 +1248,7 @@
           <a:p>
             <a:fld id="{730F1F7C-C792-497C-9271-A492300BDB4B}" type="datetimeFigureOut">
               <a:rPr lang="ko-KR" altLang="en-US" smtClean="0"/>
-              <a:t>2018-04-06</a:t>
+              <a:t>2018-04-10</a:t>
             </a:fld>
             <a:endParaRPr lang="ko-KR" altLang="en-US"/>
           </a:p>
@@ -1609,7 +1615,7 @@
           <a:p>
             <a:fld id="{730F1F7C-C792-497C-9271-A492300BDB4B}" type="datetimeFigureOut">
               <a:rPr lang="ko-KR" altLang="en-US" smtClean="0"/>
-              <a:t>2018-04-06</a:t>
+              <a:t>2018-04-10</a:t>
             </a:fld>
             <a:endParaRPr lang="ko-KR" altLang="en-US"/>
           </a:p>
@@ -1727,7 +1733,7 @@
           <a:p>
             <a:fld id="{730F1F7C-C792-497C-9271-A492300BDB4B}" type="datetimeFigureOut">
               <a:rPr lang="ko-KR" altLang="en-US" smtClean="0"/>
-              <a:t>2018-04-06</a:t>
+              <a:t>2018-04-10</a:t>
             </a:fld>
             <a:endParaRPr lang="ko-KR" altLang="en-US"/>
           </a:p>
@@ -1822,7 +1828,7 @@
           <a:p>
             <a:fld id="{730F1F7C-C792-497C-9271-A492300BDB4B}" type="datetimeFigureOut">
               <a:rPr lang="ko-KR" altLang="en-US" smtClean="0"/>
-              <a:t>2018-04-06</a:t>
+              <a:t>2018-04-10</a:t>
             </a:fld>
             <a:endParaRPr lang="ko-KR" altLang="en-US"/>
           </a:p>
@@ -2099,7 +2105,7 @@
           <a:p>
             <a:fld id="{730F1F7C-C792-497C-9271-A492300BDB4B}" type="datetimeFigureOut">
               <a:rPr lang="ko-KR" altLang="en-US" smtClean="0"/>
-              <a:t>2018-04-06</a:t>
+              <a:t>2018-04-10</a:t>
             </a:fld>
             <a:endParaRPr lang="ko-KR" altLang="en-US"/>
           </a:p>
@@ -2352,7 +2358,7 @@
           <a:p>
             <a:fld id="{730F1F7C-C792-497C-9271-A492300BDB4B}" type="datetimeFigureOut">
               <a:rPr lang="ko-KR" altLang="en-US" smtClean="0"/>
-              <a:t>2018-04-06</a:t>
+              <a:t>2018-04-10</a:t>
             </a:fld>
             <a:endParaRPr lang="ko-KR" altLang="en-US"/>
           </a:p>
@@ -2565,7 +2571,7 @@
           <a:p>
             <a:fld id="{730F1F7C-C792-497C-9271-A492300BDB4B}" type="datetimeFigureOut">
               <a:rPr lang="ko-KR" altLang="en-US" smtClean="0"/>
-              <a:t>2018-04-06</a:t>
+              <a:t>2018-04-10</a:t>
             </a:fld>
             <a:endParaRPr lang="ko-KR" altLang="en-US"/>
           </a:p>
@@ -9022,6 +9028,1553 @@
 </p:sld>
 </file>
 
+<file path=ppt/slides/slide8.xml><?xml version="1.0" encoding="utf-8"?>
+<p:sld xmlns:a="http://schemas.openxmlformats.org/drawingml/2006/main" xmlns:r="http://schemas.openxmlformats.org/officeDocument/2006/relationships" xmlns:p="http://schemas.openxmlformats.org/presentationml/2006/main">
+  <p:cSld>
+    <p:spTree>
+      <p:nvGrpSpPr>
+        <p:cNvPr id="1" name=""/>
+        <p:cNvGrpSpPr/>
+        <p:nvPr/>
+      </p:nvGrpSpPr>
+      <p:grpSpPr>
+        <a:xfrm>
+          <a:off x="0" y="0"/>
+          <a:ext cx="0" cy="0"/>
+          <a:chOff x="0" y="0"/>
+          <a:chExt cx="0" cy="0"/>
+        </a:xfrm>
+      </p:grpSpPr>
+      <p:sp>
+        <p:nvSpPr>
+          <p:cNvPr id="2" name="제목 1"/>
+          <p:cNvSpPr>
+            <a:spLocks noGrp="1"/>
+          </p:cNvSpPr>
+          <p:nvPr>
+            <p:ph type="title"/>
+          </p:nvPr>
+        </p:nvSpPr>
+        <p:spPr/>
+        <p:txBody>
+          <a:bodyPr/>
+          <a:lstStyle/>
+          <a:p>
+            <a:r>
+              <a:rPr lang="ko-KR" altLang="en-US" dirty="0" smtClean="0"/>
+              <a:t>전광판</a:t>
+            </a:r>
+            <a:endParaRPr lang="ko-KR" altLang="en-US" dirty="0"/>
+          </a:p>
+        </p:txBody>
+      </p:sp>
+      <p:sp>
+        <p:nvSpPr>
+          <p:cNvPr id="4" name="직사각형 3"/>
+          <p:cNvSpPr/>
+          <p:nvPr/>
+        </p:nvSpPr>
+        <p:spPr>
+          <a:xfrm>
+            <a:off x="1019907" y="1790280"/>
+            <a:ext cx="3739661" cy="762000"/>
+          </a:xfrm>
+          <a:prstGeom prst="rect">
+            <a:avLst/>
+          </a:prstGeom>
+          <a:noFill/>
+        </p:spPr>
+        <p:style>
+          <a:lnRef idx="2">
+            <a:schemeClr val="accent1">
+              <a:shade val="50000"/>
+            </a:schemeClr>
+          </a:lnRef>
+          <a:fillRef idx="1">
+            <a:schemeClr val="accent1"/>
+          </a:fillRef>
+          <a:effectRef idx="0">
+            <a:schemeClr val="accent1"/>
+          </a:effectRef>
+          <a:fontRef idx="minor">
+            <a:schemeClr val="lt1"/>
+          </a:fontRef>
+        </p:style>
+        <p:txBody>
+          <a:bodyPr rtlCol="0" anchor="ctr"/>
+          <a:lstStyle/>
+          <a:p>
+            <a:pPr algn="ctr"/>
+            <a:endParaRPr lang="ko-KR" altLang="en-US"/>
+          </a:p>
+        </p:txBody>
+      </p:sp>
+      <p:sp>
+        <p:nvSpPr>
+          <p:cNvPr id="7" name="직사각형 6"/>
+          <p:cNvSpPr/>
+          <p:nvPr/>
+        </p:nvSpPr>
+        <p:spPr>
+          <a:xfrm>
+            <a:off x="1078523" y="1848895"/>
+            <a:ext cx="679938" cy="644769"/>
+          </a:xfrm>
+          <a:prstGeom prst="rect">
+            <a:avLst/>
+          </a:prstGeom>
+          <a:solidFill>
+            <a:schemeClr val="bg1">
+              <a:lumMod val="85000"/>
+            </a:schemeClr>
+          </a:solidFill>
+        </p:spPr>
+        <p:style>
+          <a:lnRef idx="2">
+            <a:schemeClr val="accent1">
+              <a:shade val="50000"/>
+            </a:schemeClr>
+          </a:lnRef>
+          <a:fillRef idx="1">
+            <a:schemeClr val="accent1"/>
+          </a:fillRef>
+          <a:effectRef idx="0">
+            <a:schemeClr val="accent1"/>
+          </a:effectRef>
+          <a:fontRef idx="minor">
+            <a:schemeClr val="lt1"/>
+          </a:fontRef>
+        </p:style>
+        <p:txBody>
+          <a:bodyPr rtlCol="0" anchor="ctr"/>
+          <a:lstStyle/>
+          <a:p>
+            <a:pPr algn="ctr"/>
+            <a:endParaRPr lang="ko-KR" altLang="en-US"/>
+          </a:p>
+        </p:txBody>
+      </p:sp>
+      <p:sp>
+        <p:nvSpPr>
+          <p:cNvPr id="8" name="직사각형 7"/>
+          <p:cNvSpPr/>
+          <p:nvPr/>
+        </p:nvSpPr>
+        <p:spPr>
+          <a:xfrm>
+            <a:off x="4021015" y="1846399"/>
+            <a:ext cx="679938" cy="644769"/>
+          </a:xfrm>
+          <a:prstGeom prst="rect">
+            <a:avLst/>
+          </a:prstGeom>
+          <a:solidFill>
+            <a:schemeClr val="bg1">
+              <a:lumMod val="85000"/>
+            </a:schemeClr>
+          </a:solidFill>
+        </p:spPr>
+        <p:style>
+          <a:lnRef idx="2">
+            <a:schemeClr val="accent1">
+              <a:shade val="50000"/>
+            </a:schemeClr>
+          </a:lnRef>
+          <a:fillRef idx="1">
+            <a:schemeClr val="accent1"/>
+          </a:fillRef>
+          <a:effectRef idx="0">
+            <a:schemeClr val="accent1"/>
+          </a:effectRef>
+          <a:fontRef idx="minor">
+            <a:schemeClr val="lt1"/>
+          </a:fontRef>
+        </p:style>
+        <p:txBody>
+          <a:bodyPr rtlCol="0" anchor="ctr"/>
+          <a:lstStyle/>
+          <a:p>
+            <a:pPr algn="ctr"/>
+            <a:endParaRPr lang="ko-KR" altLang="en-US"/>
+          </a:p>
+        </p:txBody>
+      </p:sp>
+      <p:sp>
+        <p:nvSpPr>
+          <p:cNvPr id="5" name="TextBox 4"/>
+          <p:cNvSpPr txBox="1"/>
+          <p:nvPr/>
+        </p:nvSpPr>
+        <p:spPr>
+          <a:xfrm>
+            <a:off x="1089062" y="1809585"/>
+            <a:ext cx="710451" cy="369332"/>
+          </a:xfrm>
+          <a:prstGeom prst="rect">
+            <a:avLst/>
+          </a:prstGeom>
+          <a:noFill/>
+        </p:spPr>
+        <p:txBody>
+          <a:bodyPr wrap="none" rtlCol="0">
+            <a:spAutoFit/>
+          </a:bodyPr>
+          <a:lstStyle/>
+          <a:p>
+            <a:r>
+              <a:rPr lang="en-US" altLang="ko-KR" b="1" dirty="0" smtClean="0"/>
+              <a:t>&lt;-&lt;-</a:t>
+            </a:r>
+            <a:endParaRPr lang="ko-KR" altLang="en-US" b="1" dirty="0"/>
+          </a:p>
+        </p:txBody>
+      </p:sp>
+      <p:sp>
+        <p:nvSpPr>
+          <p:cNvPr id="6" name="TextBox 5"/>
+          <p:cNvSpPr txBox="1"/>
+          <p:nvPr/>
+        </p:nvSpPr>
+        <p:spPr>
+          <a:xfrm>
+            <a:off x="4257109" y="1823424"/>
+            <a:ext cx="439544" cy="369332"/>
+          </a:xfrm>
+          <a:prstGeom prst="rect">
+            <a:avLst/>
+          </a:prstGeom>
+          <a:noFill/>
+        </p:spPr>
+        <p:txBody>
+          <a:bodyPr wrap="none" rtlCol="0">
+            <a:spAutoFit/>
+          </a:bodyPr>
+          <a:lstStyle/>
+          <a:p>
+            <a:r>
+              <a:rPr lang="en-US" altLang="ko-KR" b="1" dirty="0" smtClean="0"/>
+              <a:t>2F</a:t>
+            </a:r>
+            <a:endParaRPr lang="ko-KR" altLang="en-US" b="1" dirty="0"/>
+          </a:p>
+        </p:txBody>
+      </p:sp>
+      <p:sp>
+        <p:nvSpPr>
+          <p:cNvPr id="9" name="직사각형 8"/>
+          <p:cNvSpPr/>
+          <p:nvPr/>
+        </p:nvSpPr>
+        <p:spPr>
+          <a:xfrm>
+            <a:off x="990600" y="2775019"/>
+            <a:ext cx="3739661" cy="762000"/>
+          </a:xfrm>
+          <a:prstGeom prst="rect">
+            <a:avLst/>
+          </a:prstGeom>
+          <a:noFill/>
+        </p:spPr>
+        <p:style>
+          <a:lnRef idx="2">
+            <a:schemeClr val="accent1">
+              <a:shade val="50000"/>
+            </a:schemeClr>
+          </a:lnRef>
+          <a:fillRef idx="1">
+            <a:schemeClr val="accent1"/>
+          </a:fillRef>
+          <a:effectRef idx="0">
+            <a:schemeClr val="accent1"/>
+          </a:effectRef>
+          <a:fontRef idx="minor">
+            <a:schemeClr val="lt1"/>
+          </a:fontRef>
+        </p:style>
+        <p:txBody>
+          <a:bodyPr rtlCol="0" anchor="ctr"/>
+          <a:lstStyle/>
+          <a:p>
+            <a:pPr algn="ctr"/>
+            <a:endParaRPr lang="ko-KR" altLang="en-US"/>
+          </a:p>
+        </p:txBody>
+      </p:sp>
+      <p:sp>
+        <p:nvSpPr>
+          <p:cNvPr id="10" name="직사각형 9"/>
+          <p:cNvSpPr/>
+          <p:nvPr/>
+        </p:nvSpPr>
+        <p:spPr>
+          <a:xfrm>
+            <a:off x="1049216" y="2833634"/>
+            <a:ext cx="679938" cy="644769"/>
+          </a:xfrm>
+          <a:prstGeom prst="rect">
+            <a:avLst/>
+          </a:prstGeom>
+          <a:solidFill>
+            <a:schemeClr val="bg1">
+              <a:lumMod val="85000"/>
+            </a:schemeClr>
+          </a:solidFill>
+        </p:spPr>
+        <p:style>
+          <a:lnRef idx="2">
+            <a:schemeClr val="accent1">
+              <a:shade val="50000"/>
+            </a:schemeClr>
+          </a:lnRef>
+          <a:fillRef idx="1">
+            <a:schemeClr val="accent1"/>
+          </a:fillRef>
+          <a:effectRef idx="0">
+            <a:schemeClr val="accent1"/>
+          </a:effectRef>
+          <a:fontRef idx="minor">
+            <a:schemeClr val="lt1"/>
+          </a:fontRef>
+        </p:style>
+        <p:txBody>
+          <a:bodyPr rtlCol="0" anchor="ctr"/>
+          <a:lstStyle/>
+          <a:p>
+            <a:pPr algn="ctr"/>
+            <a:endParaRPr lang="ko-KR" altLang="en-US"/>
+          </a:p>
+        </p:txBody>
+      </p:sp>
+      <p:sp>
+        <p:nvSpPr>
+          <p:cNvPr id="11" name="직사각형 10"/>
+          <p:cNvSpPr/>
+          <p:nvPr/>
+        </p:nvSpPr>
+        <p:spPr>
+          <a:xfrm>
+            <a:off x="3991708" y="2831138"/>
+            <a:ext cx="679938" cy="644769"/>
+          </a:xfrm>
+          <a:prstGeom prst="rect">
+            <a:avLst/>
+          </a:prstGeom>
+          <a:solidFill>
+            <a:schemeClr val="bg1">
+              <a:lumMod val="85000"/>
+            </a:schemeClr>
+          </a:solidFill>
+        </p:spPr>
+        <p:style>
+          <a:lnRef idx="2">
+            <a:schemeClr val="accent1">
+              <a:shade val="50000"/>
+            </a:schemeClr>
+          </a:lnRef>
+          <a:fillRef idx="1">
+            <a:schemeClr val="accent1"/>
+          </a:fillRef>
+          <a:effectRef idx="0">
+            <a:schemeClr val="accent1"/>
+          </a:effectRef>
+          <a:fontRef idx="minor">
+            <a:schemeClr val="lt1"/>
+          </a:fontRef>
+        </p:style>
+        <p:txBody>
+          <a:bodyPr rtlCol="0" anchor="ctr"/>
+          <a:lstStyle/>
+          <a:p>
+            <a:pPr algn="ctr"/>
+            <a:endParaRPr lang="ko-KR" altLang="en-US"/>
+          </a:p>
+        </p:txBody>
+      </p:sp>
+      <p:sp>
+        <p:nvSpPr>
+          <p:cNvPr id="12" name="TextBox 11"/>
+          <p:cNvSpPr txBox="1"/>
+          <p:nvPr/>
+        </p:nvSpPr>
+        <p:spPr>
+          <a:xfrm>
+            <a:off x="1066770" y="2831138"/>
+            <a:ext cx="710451" cy="369332"/>
+          </a:xfrm>
+          <a:prstGeom prst="rect">
+            <a:avLst/>
+          </a:prstGeom>
+          <a:noFill/>
+        </p:spPr>
+        <p:txBody>
+          <a:bodyPr wrap="none" rtlCol="0">
+            <a:spAutoFit/>
+          </a:bodyPr>
+          <a:lstStyle/>
+          <a:p>
+            <a:r>
+              <a:rPr lang="en-US" altLang="ko-KR" b="1" dirty="0" smtClean="0"/>
+              <a:t>&lt;-&lt;-</a:t>
+            </a:r>
+            <a:endParaRPr lang="ko-KR" altLang="en-US" b="1" dirty="0"/>
+          </a:p>
+        </p:txBody>
+      </p:sp>
+      <p:sp>
+        <p:nvSpPr>
+          <p:cNvPr id="13" name="TextBox 12"/>
+          <p:cNvSpPr txBox="1"/>
+          <p:nvPr/>
+        </p:nvSpPr>
+        <p:spPr>
+          <a:xfrm>
+            <a:off x="4261410" y="2818558"/>
+            <a:ext cx="439544" cy="369332"/>
+          </a:xfrm>
+          <a:prstGeom prst="rect">
+            <a:avLst/>
+          </a:prstGeom>
+          <a:noFill/>
+        </p:spPr>
+        <p:txBody>
+          <a:bodyPr wrap="none" rtlCol="0">
+            <a:spAutoFit/>
+          </a:bodyPr>
+          <a:lstStyle/>
+          <a:p>
+            <a:r>
+              <a:rPr lang="en-US" altLang="ko-KR" b="1" dirty="0" smtClean="0"/>
+              <a:t>3F</a:t>
+            </a:r>
+            <a:endParaRPr lang="ko-KR" altLang="en-US" b="1" dirty="0"/>
+          </a:p>
+        </p:txBody>
+      </p:sp>
+      <p:sp>
+        <p:nvSpPr>
+          <p:cNvPr id="14" name="직사각형 13"/>
+          <p:cNvSpPr/>
+          <p:nvPr/>
+        </p:nvSpPr>
+        <p:spPr>
+          <a:xfrm>
+            <a:off x="1019907" y="3759758"/>
+            <a:ext cx="3739661" cy="762000"/>
+          </a:xfrm>
+          <a:prstGeom prst="rect">
+            <a:avLst/>
+          </a:prstGeom>
+          <a:noFill/>
+        </p:spPr>
+        <p:style>
+          <a:lnRef idx="2">
+            <a:schemeClr val="accent1">
+              <a:shade val="50000"/>
+            </a:schemeClr>
+          </a:lnRef>
+          <a:fillRef idx="1">
+            <a:schemeClr val="accent1"/>
+          </a:fillRef>
+          <a:effectRef idx="0">
+            <a:schemeClr val="accent1"/>
+          </a:effectRef>
+          <a:fontRef idx="minor">
+            <a:schemeClr val="lt1"/>
+          </a:fontRef>
+        </p:style>
+        <p:txBody>
+          <a:bodyPr rtlCol="0" anchor="ctr"/>
+          <a:lstStyle/>
+          <a:p>
+            <a:pPr algn="ctr"/>
+            <a:endParaRPr lang="ko-KR" altLang="en-US"/>
+          </a:p>
+        </p:txBody>
+      </p:sp>
+      <p:sp>
+        <p:nvSpPr>
+          <p:cNvPr id="15" name="직사각형 14"/>
+          <p:cNvSpPr/>
+          <p:nvPr/>
+        </p:nvSpPr>
+        <p:spPr>
+          <a:xfrm>
+            <a:off x="1078523" y="3818373"/>
+            <a:ext cx="679938" cy="644769"/>
+          </a:xfrm>
+          <a:prstGeom prst="rect">
+            <a:avLst/>
+          </a:prstGeom>
+          <a:solidFill>
+            <a:schemeClr val="bg1">
+              <a:lumMod val="85000"/>
+            </a:schemeClr>
+          </a:solidFill>
+        </p:spPr>
+        <p:style>
+          <a:lnRef idx="2">
+            <a:schemeClr val="accent1">
+              <a:shade val="50000"/>
+            </a:schemeClr>
+          </a:lnRef>
+          <a:fillRef idx="1">
+            <a:schemeClr val="accent1"/>
+          </a:fillRef>
+          <a:effectRef idx="0">
+            <a:schemeClr val="accent1"/>
+          </a:effectRef>
+          <a:fontRef idx="minor">
+            <a:schemeClr val="lt1"/>
+          </a:fontRef>
+        </p:style>
+        <p:txBody>
+          <a:bodyPr rtlCol="0" anchor="ctr"/>
+          <a:lstStyle/>
+          <a:p>
+            <a:pPr algn="ctr"/>
+            <a:endParaRPr lang="ko-KR" altLang="en-US"/>
+          </a:p>
+        </p:txBody>
+      </p:sp>
+      <p:sp>
+        <p:nvSpPr>
+          <p:cNvPr id="16" name="직사각형 15"/>
+          <p:cNvSpPr/>
+          <p:nvPr/>
+        </p:nvSpPr>
+        <p:spPr>
+          <a:xfrm>
+            <a:off x="4021015" y="3815877"/>
+            <a:ext cx="679938" cy="644769"/>
+          </a:xfrm>
+          <a:prstGeom prst="rect">
+            <a:avLst/>
+          </a:prstGeom>
+          <a:solidFill>
+            <a:schemeClr val="bg1">
+              <a:lumMod val="85000"/>
+            </a:schemeClr>
+          </a:solidFill>
+        </p:spPr>
+        <p:style>
+          <a:lnRef idx="2">
+            <a:schemeClr val="accent1">
+              <a:shade val="50000"/>
+            </a:schemeClr>
+          </a:lnRef>
+          <a:fillRef idx="1">
+            <a:schemeClr val="accent1"/>
+          </a:fillRef>
+          <a:effectRef idx="0">
+            <a:schemeClr val="accent1"/>
+          </a:effectRef>
+          <a:fontRef idx="minor">
+            <a:schemeClr val="lt1"/>
+          </a:fontRef>
+        </p:style>
+        <p:txBody>
+          <a:bodyPr rtlCol="0" anchor="ctr"/>
+          <a:lstStyle/>
+          <a:p>
+            <a:pPr algn="ctr"/>
+            <a:endParaRPr lang="ko-KR" altLang="en-US"/>
+          </a:p>
+        </p:txBody>
+      </p:sp>
+      <p:sp>
+        <p:nvSpPr>
+          <p:cNvPr id="17" name="TextBox 16"/>
+          <p:cNvSpPr txBox="1"/>
+          <p:nvPr/>
+        </p:nvSpPr>
+        <p:spPr>
+          <a:xfrm>
+            <a:off x="1094946" y="3803297"/>
+            <a:ext cx="710451" cy="369332"/>
+          </a:xfrm>
+          <a:prstGeom prst="rect">
+            <a:avLst/>
+          </a:prstGeom>
+          <a:noFill/>
+        </p:spPr>
+        <p:txBody>
+          <a:bodyPr wrap="none" rtlCol="0">
+            <a:spAutoFit/>
+          </a:bodyPr>
+          <a:lstStyle/>
+          <a:p>
+            <a:r>
+              <a:rPr lang="en-US" altLang="ko-KR" b="1" dirty="0" smtClean="0"/>
+              <a:t>&lt;-&lt;-</a:t>
+            </a:r>
+            <a:endParaRPr lang="ko-KR" altLang="en-US" b="1" dirty="0"/>
+          </a:p>
+        </p:txBody>
+      </p:sp>
+      <p:sp>
+        <p:nvSpPr>
+          <p:cNvPr id="18" name="TextBox 17"/>
+          <p:cNvSpPr txBox="1"/>
+          <p:nvPr/>
+        </p:nvSpPr>
+        <p:spPr>
+          <a:xfrm>
+            <a:off x="4290717" y="3803297"/>
+            <a:ext cx="439544" cy="369332"/>
+          </a:xfrm>
+          <a:prstGeom prst="rect">
+            <a:avLst/>
+          </a:prstGeom>
+          <a:noFill/>
+        </p:spPr>
+        <p:txBody>
+          <a:bodyPr wrap="none" rtlCol="0">
+            <a:spAutoFit/>
+          </a:bodyPr>
+          <a:lstStyle/>
+          <a:p>
+            <a:r>
+              <a:rPr lang="en-US" altLang="ko-KR" b="1" dirty="0" smtClean="0"/>
+              <a:t>4F</a:t>
+            </a:r>
+            <a:endParaRPr lang="ko-KR" altLang="en-US" b="1" dirty="0"/>
+          </a:p>
+        </p:txBody>
+      </p:sp>
+      <p:sp>
+        <p:nvSpPr>
+          <p:cNvPr id="19" name="TextBox 18"/>
+          <p:cNvSpPr txBox="1"/>
+          <p:nvPr/>
+        </p:nvSpPr>
+        <p:spPr>
+          <a:xfrm>
+            <a:off x="328266" y="1984117"/>
+            <a:ext cx="542136" cy="369332"/>
+          </a:xfrm>
+          <a:prstGeom prst="rect">
+            <a:avLst/>
+          </a:prstGeom>
+          <a:noFill/>
+        </p:spPr>
+        <p:txBody>
+          <a:bodyPr wrap="none" rtlCol="0">
+            <a:spAutoFit/>
+          </a:bodyPr>
+          <a:lstStyle/>
+          <a:p>
+            <a:r>
+              <a:rPr lang="en-US" altLang="ko-KR" dirty="0" smtClean="0"/>
+              <a:t>1</a:t>
+            </a:r>
+            <a:r>
+              <a:rPr lang="ko-KR" altLang="en-US" dirty="0" smtClean="0"/>
+              <a:t>층</a:t>
+            </a:r>
+            <a:endParaRPr lang="ko-KR" altLang="en-US" dirty="0"/>
+          </a:p>
+        </p:txBody>
+      </p:sp>
+      <p:sp>
+        <p:nvSpPr>
+          <p:cNvPr id="20" name="TextBox 19"/>
+          <p:cNvSpPr txBox="1"/>
+          <p:nvPr/>
+        </p:nvSpPr>
+        <p:spPr>
+          <a:xfrm>
+            <a:off x="357667" y="2968856"/>
+            <a:ext cx="542136" cy="369332"/>
+          </a:xfrm>
+          <a:prstGeom prst="rect">
+            <a:avLst/>
+          </a:prstGeom>
+          <a:noFill/>
+        </p:spPr>
+        <p:txBody>
+          <a:bodyPr wrap="none" rtlCol="0">
+            <a:spAutoFit/>
+          </a:bodyPr>
+          <a:lstStyle/>
+          <a:p>
+            <a:r>
+              <a:rPr lang="en-US" altLang="ko-KR" dirty="0"/>
+              <a:t>2</a:t>
+            </a:r>
+            <a:r>
+              <a:rPr lang="ko-KR" altLang="en-US" dirty="0" smtClean="0"/>
+              <a:t>층</a:t>
+            </a:r>
+            <a:endParaRPr lang="ko-KR" altLang="en-US" dirty="0"/>
+          </a:p>
+        </p:txBody>
+      </p:sp>
+      <p:sp>
+        <p:nvSpPr>
+          <p:cNvPr id="21" name="TextBox 20"/>
+          <p:cNvSpPr txBox="1"/>
+          <p:nvPr/>
+        </p:nvSpPr>
+        <p:spPr>
+          <a:xfrm>
+            <a:off x="328266" y="3953595"/>
+            <a:ext cx="542136" cy="369332"/>
+          </a:xfrm>
+          <a:prstGeom prst="rect">
+            <a:avLst/>
+          </a:prstGeom>
+          <a:noFill/>
+        </p:spPr>
+        <p:txBody>
+          <a:bodyPr wrap="none" rtlCol="0">
+            <a:spAutoFit/>
+          </a:bodyPr>
+          <a:lstStyle/>
+          <a:p>
+            <a:r>
+              <a:rPr lang="en-US" altLang="ko-KR" dirty="0" smtClean="0"/>
+              <a:t>3</a:t>
+            </a:r>
+            <a:r>
+              <a:rPr lang="ko-KR" altLang="en-US" dirty="0" smtClean="0"/>
+              <a:t>층</a:t>
+            </a:r>
+            <a:endParaRPr lang="ko-KR" altLang="en-US" dirty="0"/>
+          </a:p>
+        </p:txBody>
+      </p:sp>
+      <p:sp>
+        <p:nvSpPr>
+          <p:cNvPr id="22" name="직사각형 21"/>
+          <p:cNvSpPr/>
+          <p:nvPr/>
+        </p:nvSpPr>
+        <p:spPr>
+          <a:xfrm>
+            <a:off x="7233209" y="1104123"/>
+            <a:ext cx="2532185" cy="4492547"/>
+          </a:xfrm>
+          <a:prstGeom prst="rect">
+            <a:avLst/>
+          </a:prstGeom>
+          <a:noFill/>
+        </p:spPr>
+        <p:style>
+          <a:lnRef idx="2">
+            <a:schemeClr val="accent1">
+              <a:shade val="50000"/>
+            </a:schemeClr>
+          </a:lnRef>
+          <a:fillRef idx="1">
+            <a:schemeClr val="accent1"/>
+          </a:fillRef>
+          <a:effectRef idx="0">
+            <a:schemeClr val="accent1"/>
+          </a:effectRef>
+          <a:fontRef idx="minor">
+            <a:schemeClr val="lt1"/>
+          </a:fontRef>
+        </p:style>
+        <p:txBody>
+          <a:bodyPr rtlCol="0" anchor="ctr"/>
+          <a:lstStyle/>
+          <a:p>
+            <a:pPr algn="ctr"/>
+            <a:endParaRPr lang="ko-KR" altLang="en-US"/>
+          </a:p>
+        </p:txBody>
+      </p:sp>
+      <p:sp>
+        <p:nvSpPr>
+          <p:cNvPr id="23" name="직사각형 22"/>
+          <p:cNvSpPr/>
+          <p:nvPr/>
+        </p:nvSpPr>
+        <p:spPr>
+          <a:xfrm>
+            <a:off x="7315270" y="1186184"/>
+            <a:ext cx="2391508" cy="1445237"/>
+          </a:xfrm>
+          <a:prstGeom prst="rect">
+            <a:avLst/>
+          </a:prstGeom>
+        </p:spPr>
+        <p:style>
+          <a:lnRef idx="2">
+            <a:schemeClr val="accent1">
+              <a:shade val="50000"/>
+            </a:schemeClr>
+          </a:lnRef>
+          <a:fillRef idx="1">
+            <a:schemeClr val="accent1"/>
+          </a:fillRef>
+          <a:effectRef idx="0">
+            <a:schemeClr val="accent1"/>
+          </a:effectRef>
+          <a:fontRef idx="minor">
+            <a:schemeClr val="lt1"/>
+          </a:fontRef>
+        </p:style>
+        <p:txBody>
+          <a:bodyPr rtlCol="0" anchor="ctr"/>
+          <a:lstStyle/>
+          <a:p>
+            <a:pPr algn="ctr"/>
+            <a:endParaRPr lang="ko-KR" altLang="en-US"/>
+          </a:p>
+        </p:txBody>
+      </p:sp>
+      <p:sp>
+        <p:nvSpPr>
+          <p:cNvPr id="24" name="직사각형 23"/>
+          <p:cNvSpPr/>
+          <p:nvPr/>
+        </p:nvSpPr>
+        <p:spPr>
+          <a:xfrm>
+            <a:off x="7315270" y="2732535"/>
+            <a:ext cx="961293" cy="535537"/>
+          </a:xfrm>
+          <a:prstGeom prst="rect">
+            <a:avLst/>
+          </a:prstGeom>
+          <a:noFill/>
+        </p:spPr>
+        <p:style>
+          <a:lnRef idx="2">
+            <a:schemeClr val="accent1">
+              <a:shade val="50000"/>
+            </a:schemeClr>
+          </a:lnRef>
+          <a:fillRef idx="1">
+            <a:schemeClr val="accent1"/>
+          </a:fillRef>
+          <a:effectRef idx="0">
+            <a:schemeClr val="accent1"/>
+          </a:effectRef>
+          <a:fontRef idx="minor">
+            <a:schemeClr val="lt1"/>
+          </a:fontRef>
+        </p:style>
+        <p:txBody>
+          <a:bodyPr rtlCol="0" anchor="ctr"/>
+          <a:lstStyle/>
+          <a:p>
+            <a:pPr algn="ctr"/>
+            <a:endParaRPr lang="ko-KR" altLang="en-US"/>
+          </a:p>
+        </p:txBody>
+      </p:sp>
+      <p:sp>
+        <p:nvSpPr>
+          <p:cNvPr id="25" name="직사각형 24"/>
+          <p:cNvSpPr/>
+          <p:nvPr/>
+        </p:nvSpPr>
+        <p:spPr>
+          <a:xfrm>
+            <a:off x="7315270" y="3335268"/>
+            <a:ext cx="961293" cy="535537"/>
+          </a:xfrm>
+          <a:prstGeom prst="rect">
+            <a:avLst/>
+          </a:prstGeom>
+          <a:noFill/>
+        </p:spPr>
+        <p:style>
+          <a:lnRef idx="2">
+            <a:schemeClr val="accent1">
+              <a:shade val="50000"/>
+            </a:schemeClr>
+          </a:lnRef>
+          <a:fillRef idx="1">
+            <a:schemeClr val="accent1"/>
+          </a:fillRef>
+          <a:effectRef idx="0">
+            <a:schemeClr val="accent1"/>
+          </a:effectRef>
+          <a:fontRef idx="minor">
+            <a:schemeClr val="lt1"/>
+          </a:fontRef>
+        </p:style>
+        <p:txBody>
+          <a:bodyPr rtlCol="0" anchor="ctr"/>
+          <a:lstStyle/>
+          <a:p>
+            <a:pPr algn="ctr"/>
+            <a:endParaRPr lang="ko-KR" altLang="en-US"/>
+          </a:p>
+        </p:txBody>
+      </p:sp>
+      <p:sp>
+        <p:nvSpPr>
+          <p:cNvPr id="26" name="직사각형 25"/>
+          <p:cNvSpPr/>
+          <p:nvPr/>
+        </p:nvSpPr>
+        <p:spPr>
+          <a:xfrm>
+            <a:off x="7326992" y="3938051"/>
+            <a:ext cx="949571" cy="535537"/>
+          </a:xfrm>
+          <a:prstGeom prst="rect">
+            <a:avLst/>
+          </a:prstGeom>
+          <a:noFill/>
+        </p:spPr>
+        <p:style>
+          <a:lnRef idx="2">
+            <a:schemeClr val="accent1">
+              <a:shade val="50000"/>
+            </a:schemeClr>
+          </a:lnRef>
+          <a:fillRef idx="1">
+            <a:schemeClr val="accent1"/>
+          </a:fillRef>
+          <a:effectRef idx="0">
+            <a:schemeClr val="accent1"/>
+          </a:effectRef>
+          <a:fontRef idx="minor">
+            <a:schemeClr val="lt1"/>
+          </a:fontRef>
+        </p:style>
+        <p:txBody>
+          <a:bodyPr rtlCol="0" anchor="ctr"/>
+          <a:lstStyle/>
+          <a:p>
+            <a:pPr algn="ctr"/>
+            <a:endParaRPr lang="ko-KR" altLang="en-US"/>
+          </a:p>
+        </p:txBody>
+      </p:sp>
+      <p:sp>
+        <p:nvSpPr>
+          <p:cNvPr id="27" name="직사각형 26"/>
+          <p:cNvSpPr/>
+          <p:nvPr/>
+        </p:nvSpPr>
+        <p:spPr>
+          <a:xfrm>
+            <a:off x="7326992" y="4540784"/>
+            <a:ext cx="949571" cy="535537"/>
+          </a:xfrm>
+          <a:prstGeom prst="rect">
+            <a:avLst/>
+          </a:prstGeom>
+          <a:noFill/>
+        </p:spPr>
+        <p:style>
+          <a:lnRef idx="2">
+            <a:schemeClr val="accent1">
+              <a:shade val="50000"/>
+            </a:schemeClr>
+          </a:lnRef>
+          <a:fillRef idx="1">
+            <a:schemeClr val="accent1"/>
+          </a:fillRef>
+          <a:effectRef idx="0">
+            <a:schemeClr val="accent1"/>
+          </a:effectRef>
+          <a:fontRef idx="minor">
+            <a:schemeClr val="lt1"/>
+          </a:fontRef>
+        </p:style>
+        <p:txBody>
+          <a:bodyPr rtlCol="0" anchor="ctr"/>
+          <a:lstStyle/>
+          <a:p>
+            <a:pPr algn="ctr"/>
+            <a:endParaRPr lang="ko-KR" altLang="en-US"/>
+          </a:p>
+        </p:txBody>
+      </p:sp>
+      <p:sp>
+        <p:nvSpPr>
+          <p:cNvPr id="28" name="직사각형 27"/>
+          <p:cNvSpPr/>
+          <p:nvPr/>
+        </p:nvSpPr>
+        <p:spPr>
+          <a:xfrm>
+            <a:off x="8358625" y="2732535"/>
+            <a:ext cx="1348154" cy="535537"/>
+          </a:xfrm>
+          <a:prstGeom prst="rect">
+            <a:avLst/>
+          </a:prstGeom>
+          <a:noFill/>
+        </p:spPr>
+        <p:style>
+          <a:lnRef idx="2">
+            <a:schemeClr val="accent1">
+              <a:shade val="50000"/>
+            </a:schemeClr>
+          </a:lnRef>
+          <a:fillRef idx="1">
+            <a:schemeClr val="accent1"/>
+          </a:fillRef>
+          <a:effectRef idx="0">
+            <a:schemeClr val="accent1"/>
+          </a:effectRef>
+          <a:fontRef idx="minor">
+            <a:schemeClr val="lt1"/>
+          </a:fontRef>
+        </p:style>
+        <p:txBody>
+          <a:bodyPr rtlCol="0" anchor="ctr"/>
+          <a:lstStyle/>
+          <a:p>
+            <a:pPr algn="ctr"/>
+            <a:endParaRPr lang="ko-KR" altLang="en-US"/>
+          </a:p>
+        </p:txBody>
+      </p:sp>
+      <p:sp>
+        <p:nvSpPr>
+          <p:cNvPr id="29" name="직사각형 28"/>
+          <p:cNvSpPr/>
+          <p:nvPr/>
+        </p:nvSpPr>
+        <p:spPr>
+          <a:xfrm>
+            <a:off x="8358625" y="3335268"/>
+            <a:ext cx="1348154" cy="535537"/>
+          </a:xfrm>
+          <a:prstGeom prst="rect">
+            <a:avLst/>
+          </a:prstGeom>
+          <a:noFill/>
+        </p:spPr>
+        <p:style>
+          <a:lnRef idx="2">
+            <a:schemeClr val="accent1">
+              <a:shade val="50000"/>
+            </a:schemeClr>
+          </a:lnRef>
+          <a:fillRef idx="1">
+            <a:schemeClr val="accent1"/>
+          </a:fillRef>
+          <a:effectRef idx="0">
+            <a:schemeClr val="accent1"/>
+          </a:effectRef>
+          <a:fontRef idx="minor">
+            <a:schemeClr val="lt1"/>
+          </a:fontRef>
+        </p:style>
+        <p:txBody>
+          <a:bodyPr rtlCol="0" anchor="ctr"/>
+          <a:lstStyle/>
+          <a:p>
+            <a:pPr algn="ctr"/>
+            <a:endParaRPr lang="ko-KR" altLang="en-US"/>
+          </a:p>
+        </p:txBody>
+      </p:sp>
+      <p:sp>
+        <p:nvSpPr>
+          <p:cNvPr id="30" name="직사각형 29"/>
+          <p:cNvSpPr/>
+          <p:nvPr/>
+        </p:nvSpPr>
+        <p:spPr>
+          <a:xfrm>
+            <a:off x="8358625" y="3950675"/>
+            <a:ext cx="1348154" cy="535537"/>
+          </a:xfrm>
+          <a:prstGeom prst="rect">
+            <a:avLst/>
+          </a:prstGeom>
+          <a:noFill/>
+        </p:spPr>
+        <p:style>
+          <a:lnRef idx="2">
+            <a:schemeClr val="accent1">
+              <a:shade val="50000"/>
+            </a:schemeClr>
+          </a:lnRef>
+          <a:fillRef idx="1">
+            <a:schemeClr val="accent1"/>
+          </a:fillRef>
+          <a:effectRef idx="0">
+            <a:schemeClr val="accent1"/>
+          </a:effectRef>
+          <a:fontRef idx="minor">
+            <a:schemeClr val="lt1"/>
+          </a:fontRef>
+        </p:style>
+        <p:txBody>
+          <a:bodyPr rtlCol="0" anchor="ctr"/>
+          <a:lstStyle/>
+          <a:p>
+            <a:pPr algn="ctr"/>
+            <a:endParaRPr lang="ko-KR" altLang="en-US"/>
+          </a:p>
+        </p:txBody>
+      </p:sp>
+      <p:sp>
+        <p:nvSpPr>
+          <p:cNvPr id="31" name="직사각형 30"/>
+          <p:cNvSpPr/>
+          <p:nvPr/>
+        </p:nvSpPr>
+        <p:spPr>
+          <a:xfrm>
+            <a:off x="8346901" y="4558053"/>
+            <a:ext cx="1348154" cy="535537"/>
+          </a:xfrm>
+          <a:prstGeom prst="rect">
+            <a:avLst/>
+          </a:prstGeom>
+          <a:noFill/>
+        </p:spPr>
+        <p:style>
+          <a:lnRef idx="2">
+            <a:schemeClr val="accent1">
+              <a:shade val="50000"/>
+            </a:schemeClr>
+          </a:lnRef>
+          <a:fillRef idx="1">
+            <a:schemeClr val="accent1"/>
+          </a:fillRef>
+          <a:effectRef idx="0">
+            <a:schemeClr val="accent1"/>
+          </a:effectRef>
+          <a:fontRef idx="minor">
+            <a:schemeClr val="lt1"/>
+          </a:fontRef>
+        </p:style>
+        <p:txBody>
+          <a:bodyPr rtlCol="0" anchor="ctr"/>
+          <a:lstStyle/>
+          <a:p>
+            <a:pPr algn="ctr"/>
+            <a:endParaRPr lang="ko-KR" altLang="en-US"/>
+          </a:p>
+        </p:txBody>
+      </p:sp>
+      <p:sp>
+        <p:nvSpPr>
+          <p:cNvPr id="32" name="TextBox 31"/>
+          <p:cNvSpPr txBox="1"/>
+          <p:nvPr/>
+        </p:nvSpPr>
+        <p:spPr>
+          <a:xfrm>
+            <a:off x="7422556" y="4454609"/>
+            <a:ext cx="723275" cy="707886"/>
+          </a:xfrm>
+          <a:prstGeom prst="rect">
+            <a:avLst/>
+          </a:prstGeom>
+          <a:noFill/>
+        </p:spPr>
+        <p:txBody>
+          <a:bodyPr wrap="none" rtlCol="0">
+            <a:spAutoFit/>
+          </a:bodyPr>
+          <a:lstStyle/>
+          <a:p>
+            <a:r>
+              <a:rPr lang="en-US" altLang="ko-KR" sz="4000" dirty="0" smtClean="0"/>
+              <a:t>1F</a:t>
+            </a:r>
+            <a:endParaRPr lang="ko-KR" altLang="en-US" sz="4000" dirty="0"/>
+          </a:p>
+        </p:txBody>
+      </p:sp>
+      <p:sp>
+        <p:nvSpPr>
+          <p:cNvPr id="33" name="TextBox 32"/>
+          <p:cNvSpPr txBox="1"/>
+          <p:nvPr/>
+        </p:nvSpPr>
+        <p:spPr>
+          <a:xfrm>
+            <a:off x="7422555" y="3844562"/>
+            <a:ext cx="723275" cy="707886"/>
+          </a:xfrm>
+          <a:prstGeom prst="rect">
+            <a:avLst/>
+          </a:prstGeom>
+          <a:noFill/>
+        </p:spPr>
+        <p:txBody>
+          <a:bodyPr wrap="none" rtlCol="0">
+            <a:spAutoFit/>
+          </a:bodyPr>
+          <a:lstStyle/>
+          <a:p>
+            <a:r>
+              <a:rPr lang="en-US" altLang="ko-KR" sz="4000" dirty="0"/>
+              <a:t>2</a:t>
+            </a:r>
+            <a:r>
+              <a:rPr lang="en-US" altLang="ko-KR" sz="4000" dirty="0" smtClean="0"/>
+              <a:t>F</a:t>
+            </a:r>
+            <a:endParaRPr lang="ko-KR" altLang="en-US" sz="4000" dirty="0"/>
+          </a:p>
+        </p:txBody>
+      </p:sp>
+      <p:sp>
+        <p:nvSpPr>
+          <p:cNvPr id="34" name="TextBox 33"/>
+          <p:cNvSpPr txBox="1"/>
+          <p:nvPr/>
+        </p:nvSpPr>
+        <p:spPr>
+          <a:xfrm>
+            <a:off x="7444296" y="3249093"/>
+            <a:ext cx="723275" cy="707886"/>
+          </a:xfrm>
+          <a:prstGeom prst="rect">
+            <a:avLst/>
+          </a:prstGeom>
+          <a:noFill/>
+        </p:spPr>
+        <p:txBody>
+          <a:bodyPr wrap="none" rtlCol="0">
+            <a:spAutoFit/>
+          </a:bodyPr>
+          <a:lstStyle/>
+          <a:p>
+            <a:r>
+              <a:rPr lang="en-US" altLang="ko-KR" sz="4000" dirty="0"/>
+              <a:t>3</a:t>
+            </a:r>
+            <a:r>
+              <a:rPr lang="en-US" altLang="ko-KR" sz="4000" dirty="0" smtClean="0"/>
+              <a:t>F</a:t>
+            </a:r>
+            <a:endParaRPr lang="ko-KR" altLang="en-US" sz="4000" dirty="0"/>
+          </a:p>
+        </p:txBody>
+      </p:sp>
+      <p:sp>
+        <p:nvSpPr>
+          <p:cNvPr id="35" name="TextBox 34"/>
+          <p:cNvSpPr txBox="1"/>
+          <p:nvPr/>
+        </p:nvSpPr>
+        <p:spPr>
+          <a:xfrm>
+            <a:off x="7422555" y="2627382"/>
+            <a:ext cx="723275" cy="707886"/>
+          </a:xfrm>
+          <a:prstGeom prst="rect">
+            <a:avLst/>
+          </a:prstGeom>
+          <a:noFill/>
+        </p:spPr>
+        <p:txBody>
+          <a:bodyPr wrap="none" rtlCol="0">
+            <a:spAutoFit/>
+          </a:bodyPr>
+          <a:lstStyle/>
+          <a:p>
+            <a:r>
+              <a:rPr lang="en-US" altLang="ko-KR" sz="4000" dirty="0"/>
+              <a:t>4</a:t>
+            </a:r>
+            <a:r>
+              <a:rPr lang="en-US" altLang="ko-KR" sz="4000" dirty="0" smtClean="0"/>
+              <a:t>F</a:t>
+            </a:r>
+            <a:endParaRPr lang="ko-KR" altLang="en-US" sz="4000" dirty="0"/>
+          </a:p>
+        </p:txBody>
+      </p:sp>
+      <p:sp>
+        <p:nvSpPr>
+          <p:cNvPr id="36" name="TextBox 35"/>
+          <p:cNvSpPr txBox="1"/>
+          <p:nvPr/>
+        </p:nvSpPr>
+        <p:spPr>
+          <a:xfrm>
+            <a:off x="2535739" y="1835236"/>
+            <a:ext cx="723275" cy="707886"/>
+          </a:xfrm>
+          <a:prstGeom prst="rect">
+            <a:avLst/>
+          </a:prstGeom>
+          <a:noFill/>
+        </p:spPr>
+        <p:txBody>
+          <a:bodyPr wrap="none" rtlCol="0">
+            <a:spAutoFit/>
+          </a:bodyPr>
+          <a:lstStyle/>
+          <a:p>
+            <a:r>
+              <a:rPr lang="en-US" altLang="ko-KR" sz="4000" dirty="0" smtClean="0"/>
+              <a:t>1F</a:t>
+            </a:r>
+            <a:endParaRPr lang="ko-KR" altLang="en-US" sz="4000" dirty="0"/>
+          </a:p>
+        </p:txBody>
+      </p:sp>
+      <p:sp>
+        <p:nvSpPr>
+          <p:cNvPr id="37" name="TextBox 36"/>
+          <p:cNvSpPr txBox="1"/>
+          <p:nvPr/>
+        </p:nvSpPr>
+        <p:spPr>
+          <a:xfrm>
+            <a:off x="2535739" y="2802076"/>
+            <a:ext cx="723275" cy="707886"/>
+          </a:xfrm>
+          <a:prstGeom prst="rect">
+            <a:avLst/>
+          </a:prstGeom>
+          <a:noFill/>
+        </p:spPr>
+        <p:txBody>
+          <a:bodyPr wrap="none" rtlCol="0">
+            <a:spAutoFit/>
+          </a:bodyPr>
+          <a:lstStyle/>
+          <a:p>
+            <a:r>
+              <a:rPr lang="en-US" altLang="ko-KR" sz="4000" dirty="0"/>
+              <a:t>2</a:t>
+            </a:r>
+            <a:r>
+              <a:rPr lang="en-US" altLang="ko-KR" sz="4000" dirty="0" smtClean="0"/>
+              <a:t>F</a:t>
+            </a:r>
+            <a:endParaRPr lang="ko-KR" altLang="en-US" sz="4000" dirty="0"/>
+          </a:p>
+        </p:txBody>
+      </p:sp>
+      <p:sp>
+        <p:nvSpPr>
+          <p:cNvPr id="38" name="TextBox 37"/>
+          <p:cNvSpPr txBox="1"/>
+          <p:nvPr/>
+        </p:nvSpPr>
+        <p:spPr>
+          <a:xfrm>
+            <a:off x="2500606" y="3778326"/>
+            <a:ext cx="723275" cy="707886"/>
+          </a:xfrm>
+          <a:prstGeom prst="rect">
+            <a:avLst/>
+          </a:prstGeom>
+          <a:noFill/>
+        </p:spPr>
+        <p:txBody>
+          <a:bodyPr wrap="none" rtlCol="0">
+            <a:spAutoFit/>
+          </a:bodyPr>
+          <a:lstStyle/>
+          <a:p>
+            <a:r>
+              <a:rPr lang="en-US" altLang="ko-KR" sz="4000" dirty="0" smtClean="0"/>
+              <a:t>3F</a:t>
+            </a:r>
+            <a:endParaRPr lang="ko-KR" altLang="en-US" sz="4000" dirty="0"/>
+          </a:p>
+        </p:txBody>
+      </p:sp>
+      <p:sp>
+        <p:nvSpPr>
+          <p:cNvPr id="39" name="TextBox 38"/>
+          <p:cNvSpPr txBox="1"/>
+          <p:nvPr/>
+        </p:nvSpPr>
+        <p:spPr>
+          <a:xfrm>
+            <a:off x="4248480" y="2145106"/>
+            <a:ext cx="437940" cy="369332"/>
+          </a:xfrm>
+          <a:prstGeom prst="rect">
+            <a:avLst/>
+          </a:prstGeom>
+          <a:noFill/>
+        </p:spPr>
+        <p:txBody>
+          <a:bodyPr wrap="none" rtlCol="0">
+            <a:spAutoFit/>
+          </a:bodyPr>
+          <a:lstStyle/>
+          <a:p>
+            <a:r>
+              <a:rPr lang="en-US" altLang="ko-KR" dirty="0" smtClean="0"/>
+              <a:t>23</a:t>
+            </a:r>
+            <a:endParaRPr lang="ko-KR" altLang="en-US" dirty="0"/>
+          </a:p>
+        </p:txBody>
+      </p:sp>
+      <p:sp>
+        <p:nvSpPr>
+          <p:cNvPr id="40" name="TextBox 39"/>
+          <p:cNvSpPr txBox="1"/>
+          <p:nvPr/>
+        </p:nvSpPr>
+        <p:spPr>
+          <a:xfrm>
+            <a:off x="1296022" y="2110040"/>
+            <a:ext cx="426720" cy="369332"/>
+          </a:xfrm>
+          <a:prstGeom prst="rect">
+            <a:avLst/>
+          </a:prstGeom>
+          <a:noFill/>
+        </p:spPr>
+        <p:txBody>
+          <a:bodyPr wrap="none" rtlCol="0">
+            <a:spAutoFit/>
+          </a:bodyPr>
+          <a:lstStyle/>
+          <a:p>
+            <a:r>
+              <a:rPr lang="en-US" altLang="ko-KR" dirty="0" smtClean="0"/>
+              <a:t>2F</a:t>
+            </a:r>
+            <a:endParaRPr lang="ko-KR" altLang="en-US" dirty="0"/>
+          </a:p>
+        </p:txBody>
+      </p:sp>
+      <p:sp>
+        <p:nvSpPr>
+          <p:cNvPr id="41" name="TextBox 40"/>
+          <p:cNvSpPr txBox="1"/>
+          <p:nvPr/>
+        </p:nvSpPr>
+        <p:spPr>
+          <a:xfrm>
+            <a:off x="4257911" y="3177701"/>
+            <a:ext cx="437940" cy="369332"/>
+          </a:xfrm>
+          <a:prstGeom prst="rect">
+            <a:avLst/>
+          </a:prstGeom>
+          <a:noFill/>
+        </p:spPr>
+        <p:txBody>
+          <a:bodyPr wrap="none" rtlCol="0">
+            <a:spAutoFit/>
+          </a:bodyPr>
+          <a:lstStyle/>
+          <a:p>
+            <a:r>
+              <a:rPr lang="en-US" altLang="ko-KR" dirty="0" smtClean="0"/>
+              <a:t>33</a:t>
+            </a:r>
+            <a:endParaRPr lang="ko-KR" altLang="en-US" dirty="0"/>
+          </a:p>
+        </p:txBody>
+      </p:sp>
+      <p:sp>
+        <p:nvSpPr>
+          <p:cNvPr id="42" name="TextBox 41"/>
+          <p:cNvSpPr txBox="1"/>
+          <p:nvPr/>
+        </p:nvSpPr>
+        <p:spPr>
+          <a:xfrm>
+            <a:off x="1296022" y="3121988"/>
+            <a:ext cx="426720" cy="369332"/>
+          </a:xfrm>
+          <a:prstGeom prst="rect">
+            <a:avLst/>
+          </a:prstGeom>
+          <a:noFill/>
+        </p:spPr>
+        <p:txBody>
+          <a:bodyPr wrap="none" rtlCol="0">
+            <a:spAutoFit/>
+          </a:bodyPr>
+          <a:lstStyle/>
+          <a:p>
+            <a:r>
+              <a:rPr lang="en-US" altLang="ko-KR" dirty="0"/>
+              <a:t>3</a:t>
+            </a:r>
+            <a:r>
+              <a:rPr lang="en-US" altLang="ko-KR" dirty="0" smtClean="0"/>
+              <a:t>F</a:t>
+            </a:r>
+            <a:endParaRPr lang="ko-KR" altLang="en-US" dirty="0"/>
+          </a:p>
+        </p:txBody>
+      </p:sp>
+      <p:sp>
+        <p:nvSpPr>
+          <p:cNvPr id="43" name="TextBox 42"/>
+          <p:cNvSpPr txBox="1"/>
+          <p:nvPr/>
+        </p:nvSpPr>
+        <p:spPr>
+          <a:xfrm>
+            <a:off x="1321319" y="4123118"/>
+            <a:ext cx="426720" cy="369332"/>
+          </a:xfrm>
+          <a:prstGeom prst="rect">
+            <a:avLst/>
+          </a:prstGeom>
+          <a:noFill/>
+        </p:spPr>
+        <p:txBody>
+          <a:bodyPr wrap="none" rtlCol="0">
+            <a:spAutoFit/>
+          </a:bodyPr>
+          <a:lstStyle/>
+          <a:p>
+            <a:r>
+              <a:rPr lang="en-US" altLang="ko-KR" dirty="0" smtClean="0"/>
+              <a:t>4F</a:t>
+            </a:r>
+            <a:endParaRPr lang="ko-KR" altLang="en-US" dirty="0"/>
+          </a:p>
+        </p:txBody>
+      </p:sp>
+      <p:sp>
+        <p:nvSpPr>
+          <p:cNvPr id="44" name="TextBox 43"/>
+          <p:cNvSpPr txBox="1"/>
+          <p:nvPr/>
+        </p:nvSpPr>
+        <p:spPr>
+          <a:xfrm>
+            <a:off x="4293035" y="4150698"/>
+            <a:ext cx="437940" cy="369332"/>
+          </a:xfrm>
+          <a:prstGeom prst="rect">
+            <a:avLst/>
+          </a:prstGeom>
+          <a:noFill/>
+        </p:spPr>
+        <p:txBody>
+          <a:bodyPr wrap="none" rtlCol="0">
+            <a:spAutoFit/>
+          </a:bodyPr>
+          <a:lstStyle/>
+          <a:p>
+            <a:r>
+              <a:rPr lang="en-US" altLang="ko-KR" dirty="0" smtClean="0"/>
+              <a:t>25</a:t>
+            </a:r>
+            <a:endParaRPr lang="ko-KR" altLang="en-US" dirty="0"/>
+          </a:p>
+        </p:txBody>
+      </p:sp>
+    </p:spTree>
+    <p:extLst>
+      <p:ext uri="{BB962C8B-B14F-4D97-AF65-F5344CB8AC3E}">
+        <p14:creationId xmlns:p14="http://schemas.microsoft.com/office/powerpoint/2010/main" val="1091544291"/>
+      </p:ext>
+    </p:extLst>
+  </p:cSld>
+  <p:clrMapOvr>
+    <a:masterClrMapping/>
+  </p:clrMapOvr>
+</p:sld>
+</file>
+
 <file path=ppt/theme/theme1.xml><?xml version="1.0" encoding="utf-8"?>
 <a:theme xmlns:a="http://schemas.openxmlformats.org/drawingml/2006/main" name="Office 테마">
   <a:themeElements>
